--- a/STAJ DEFTERİ PARÇALARI/EK5.pptx
+++ b/STAJ DEFTERİ PARÇALARI/EK5.pptx
@@ -533,7 +533,7 @@
           <a:p>
             <a:fld id="{0E6D73EB-92AD-47F2-849B-1B77247550F6}" type="datetimeFigureOut">
               <a:rPr lang="tr-TR" smtClean="0"/>
-              <a:t>24.09.2023</a:t>
+              <a:t>27.09.2023</a:t>
             </a:fld>
             <a:endParaRPr lang="tr-TR"/>
           </a:p>
@@ -712,7 +712,7 @@
           <a:p>
             <a:fld id="{0E6D73EB-92AD-47F2-849B-1B77247550F6}" type="datetimeFigureOut">
               <a:rPr lang="tr-TR" smtClean="0"/>
-              <a:t>24.09.2023</a:t>
+              <a:t>27.09.2023</a:t>
             </a:fld>
             <a:endParaRPr lang="tr-TR"/>
           </a:p>
@@ -892,7 +892,7 @@
           <a:p>
             <a:fld id="{0E6D73EB-92AD-47F2-849B-1B77247550F6}" type="datetimeFigureOut">
               <a:rPr lang="tr-TR" smtClean="0"/>
-              <a:t>24.09.2023</a:t>
+              <a:t>27.09.2023</a:t>
             </a:fld>
             <a:endParaRPr lang="tr-TR"/>
           </a:p>
@@ -1062,7 +1062,7 @@
           <a:p>
             <a:fld id="{0E6D73EB-92AD-47F2-849B-1B77247550F6}" type="datetimeFigureOut">
               <a:rPr lang="tr-TR" smtClean="0"/>
-              <a:t>24.09.2023</a:t>
+              <a:t>27.09.2023</a:t>
             </a:fld>
             <a:endParaRPr lang="tr-TR"/>
           </a:p>
@@ -1375,7 +1375,7 @@
           <a:p>
             <a:fld id="{0E6D73EB-92AD-47F2-849B-1B77247550F6}" type="datetimeFigureOut">
               <a:rPr lang="tr-TR" smtClean="0"/>
-              <a:t>24.09.2023</a:t>
+              <a:t>27.09.2023</a:t>
             </a:fld>
             <a:endParaRPr lang="tr-TR"/>
           </a:p>
@@ -1761,7 +1761,7 @@
           <a:p>
             <a:fld id="{0E6D73EB-92AD-47F2-849B-1B77247550F6}" type="datetimeFigureOut">
               <a:rPr lang="tr-TR" smtClean="0"/>
-              <a:t>24.09.2023</a:t>
+              <a:t>27.09.2023</a:t>
             </a:fld>
             <a:endParaRPr lang="tr-TR"/>
           </a:p>
@@ -2195,7 +2195,7 @@
           <a:p>
             <a:fld id="{0E6D73EB-92AD-47F2-849B-1B77247550F6}" type="datetimeFigureOut">
               <a:rPr lang="tr-TR" smtClean="0"/>
-              <a:t>24.09.2023</a:t>
+              <a:t>27.09.2023</a:t>
             </a:fld>
             <a:endParaRPr lang="tr-TR"/>
           </a:p>
@@ -2313,7 +2313,7 @@
           <a:p>
             <a:fld id="{0E6D73EB-92AD-47F2-849B-1B77247550F6}" type="datetimeFigureOut">
               <a:rPr lang="tr-TR" smtClean="0"/>
-              <a:t>24.09.2023</a:t>
+              <a:t>27.09.2023</a:t>
             </a:fld>
             <a:endParaRPr lang="tr-TR"/>
           </a:p>
@@ -2408,7 +2408,7 @@
           <a:p>
             <a:fld id="{0E6D73EB-92AD-47F2-849B-1B77247550F6}" type="datetimeFigureOut">
               <a:rPr lang="tr-TR" smtClean="0"/>
-              <a:t>24.09.2023</a:t>
+              <a:t>27.09.2023</a:t>
             </a:fld>
             <a:endParaRPr lang="tr-TR"/>
           </a:p>
@@ -2758,7 +2758,7 @@
           <a:p>
             <a:fld id="{0E6D73EB-92AD-47F2-849B-1B77247550F6}" type="datetimeFigureOut">
               <a:rPr lang="tr-TR" smtClean="0"/>
-              <a:t>24.09.2023</a:t>
+              <a:t>27.09.2023</a:t>
             </a:fld>
             <a:endParaRPr lang="tr-TR"/>
           </a:p>
@@ -3183,7 +3183,7 @@
           <a:p>
             <a:fld id="{0E6D73EB-92AD-47F2-849B-1B77247550F6}" type="datetimeFigureOut">
               <a:rPr lang="tr-TR" smtClean="0"/>
-              <a:t>24.09.2023</a:t>
+              <a:t>27.09.2023</a:t>
             </a:fld>
             <a:endParaRPr lang="tr-TR"/>
           </a:p>
@@ -3464,7 +3464,7 @@
           <a:p>
             <a:fld id="{0E6D73EB-92AD-47F2-849B-1B77247550F6}" type="datetimeFigureOut">
               <a:rPr lang="tr-TR" smtClean="0"/>
-              <a:t>24.09.2023</a:t>
+              <a:t>27.09.2023</a:t>
             </a:fld>
             <a:endParaRPr lang="tr-TR"/>
           </a:p>
